--- a/CAP385-00-Presentations/02-JUnit 5/03-JUnit 5 - Arquitetura.pptx
+++ b/CAP385-00-Presentations/02-JUnit 5/03-JUnit 5 - Arquitetura.pptx
@@ -4955,34 +4955,118 @@
           <a:lstStyle/>
           <a:p>
             <a:r>
-              <a:rPr lang="pt-BR" dirty="0" smtClean="0"/>
-              <a:t>@Meta-</a:t>
-            </a:r>
-            <a:r>
-              <a:rPr lang="pt-BR" dirty="0" err="1" smtClean="0"/>
+              <a:rPr lang="pt-BR" sz="2800" dirty="0" smtClean="0"/>
+              <a:t>“</a:t>
+            </a:r>
+            <a:r>
+              <a:rPr lang="en-US" sz="2800" b="1" dirty="0"/>
+              <a:t>Prefer extension points over </a:t>
+            </a:r>
+            <a:r>
+              <a:rPr lang="en-US" sz="2800" b="1" dirty="0" smtClean="0"/>
+              <a:t>features” (</a:t>
+            </a:r>
+            <a:r>
+              <a:rPr lang="pt-BR" sz="2800" b="1" dirty="0"/>
+              <a:t>Kevin </a:t>
+            </a:r>
+            <a:r>
+              <a:rPr lang="pt-BR" sz="2800" b="1" dirty="0" err="1" smtClean="0"/>
+              <a:t>Cooney</a:t>
+            </a:r>
+            <a:r>
+              <a:rPr lang="pt-BR" sz="2800" b="1" dirty="0" smtClean="0"/>
+              <a:t>)</a:t>
+            </a:r>
+            <a:endParaRPr lang="pt-BR" sz="2800" dirty="0" smtClean="0"/>
+          </a:p>
+          <a:p>
+            <a:r>
+              <a:rPr lang="pt-BR" sz="2800" dirty="0" err="1" smtClean="0"/>
+              <a:t>JUnit</a:t>
+            </a:r>
+            <a:r>
+              <a:rPr lang="pt-BR" sz="2800" dirty="0" smtClean="0"/>
+              <a:t> 4: </a:t>
+            </a:r>
+            <a:r>
+              <a:rPr lang="pt-BR" sz="2800" i="1" dirty="0" err="1" smtClean="0"/>
+              <a:t>Runner</a:t>
+            </a:r>
+            <a:r>
+              <a:rPr lang="pt-BR" sz="2800" i="1" dirty="0" smtClean="0"/>
+              <a:t>, @</a:t>
+            </a:r>
+            <a:r>
+              <a:rPr lang="pt-BR" sz="2800" i="1" dirty="0" err="1" smtClean="0"/>
+              <a:t>Rule</a:t>
+            </a:r>
+            <a:r>
+              <a:rPr lang="pt-BR" sz="2800" i="1" dirty="0" smtClean="0"/>
+              <a:t>, @</a:t>
+            </a:r>
+            <a:r>
+              <a:rPr lang="pt-BR" sz="2800" i="1" dirty="0" err="1" smtClean="0"/>
+              <a:t>ClassRule</a:t>
+            </a:r>
+            <a:endParaRPr lang="pt-BR" sz="2800" i="1" dirty="0" smtClean="0"/>
+          </a:p>
+          <a:p>
+            <a:r>
+              <a:rPr lang="pt-BR" sz="2800" dirty="0"/>
+              <a:t>@</a:t>
+            </a:r>
+            <a:r>
+              <a:rPr lang="pt-BR" sz="2800" dirty="0" err="1"/>
+              <a:t>ExtendWith</a:t>
+            </a:r>
+            <a:r>
+              <a:rPr lang="pt-BR" sz="2800" dirty="0" smtClean="0"/>
+              <a:t>({Extension1.class</a:t>
+            </a:r>
+            <a:r>
+              <a:rPr lang="pt-BR" sz="2800" dirty="0"/>
+              <a:t>, </a:t>
+            </a:r>
+            <a:r>
+              <a:rPr lang="pt-BR" sz="2800" dirty="0" smtClean="0"/>
+              <a:t>Extension2.class </a:t>
+            </a:r>
+            <a:r>
+              <a:rPr lang="pt-BR" sz="2800" dirty="0"/>
+              <a:t>})</a:t>
+            </a:r>
+          </a:p>
+          <a:p>
+            <a:r>
+              <a:rPr lang="pt-BR" sz="2800" dirty="0" smtClean="0"/>
+              <a:t>Meta-</a:t>
+            </a:r>
+            <a:r>
+              <a:rPr lang="pt-BR" sz="2800" dirty="0" err="1" smtClean="0"/>
               <a:t>annotation</a:t>
             </a:r>
-            <a:endParaRPr lang="pt-BR" dirty="0" smtClean="0"/>
+            <a:endParaRPr lang="pt-BR" sz="2800" dirty="0" smtClean="0"/>
           </a:p>
           <a:p>
             <a:pPr lvl="1"/>
             <a:r>
-              <a:rPr lang="pt-BR" dirty="0" smtClean="0"/>
+              <a:rPr lang="pt-BR" sz="2400" dirty="0" smtClean="0"/>
               <a:t>@</a:t>
             </a:r>
             <a:r>
-              <a:rPr lang="pt-BR" dirty="0" err="1" smtClean="0"/>
+              <a:rPr lang="pt-BR" sz="2400" dirty="0" err="1" smtClean="0"/>
               <a:t>IntegrationTest</a:t>
             </a:r>
-            <a:endParaRPr lang="pt-BR" dirty="0" smtClean="0"/>
+            <a:endParaRPr lang="pt-BR" sz="2400" dirty="0" smtClean="0"/>
           </a:p>
           <a:p>
             <a:pPr lvl="1"/>
             <a:r>
-              <a:rPr lang="pt-BR" dirty="0" smtClean="0"/>
+              <a:rPr lang="pt-BR" sz="2400" dirty="0" smtClean="0"/>
               <a:t>@Benchmark</a:t>
             </a:r>
-            <a:endParaRPr lang="pt-BR" dirty="0"/>
+            <a:endParaRPr lang="pt-BR" sz="2400" dirty="0"/>
           </a:p>
           <a:p>
             <a:pPr marL="457200" lvl="1" indent="0">

--- a/CAP385-00-Presentations/02-JUnit 5/03-JUnit 5 - Arquitetura.pptx
+++ b/CAP385-00-Presentations/02-JUnit 5/03-JUnit 5 - Arquitetura.pptx
@@ -5,13 +5,14 @@
     <p:sldMasterId id="2147483648" r:id="rId1"/>
   </p:sldMasterIdLst>
   <p:notesMasterIdLst>
-    <p:notesMasterId r:id="rId6"/>
+    <p:notesMasterId r:id="rId7"/>
   </p:notesMasterIdLst>
   <p:sldIdLst>
     <p:sldId id="257" r:id="rId2"/>
     <p:sldId id="271" r:id="rId3"/>
     <p:sldId id="288" r:id="rId4"/>
     <p:sldId id="290" r:id="rId5"/>
+    <p:sldId id="291" r:id="rId6"/>
   </p:sldIdLst>
   <p:sldSz cx="9144000" cy="6858000" type="screen4x3"/>
   <p:notesSz cx="6858000" cy="9144000"/>
@@ -196,7 +197,7 @@
             <a:fld id="{3DB25566-8A38-405D-AF46-A7AC913A6215}" type="datetimeFigureOut">
               <a:rPr lang="pt-BR" smtClean="0"/>
               <a:pPr/>
-              <a:t>17/07/2016</a:t>
+              <a:t>19/07/2016</a:t>
             </a:fld>
             <a:endParaRPr lang="pt-BR"/>
           </a:p>
@@ -729,7 +730,7 @@
             <a:fld id="{97BE082F-75F0-4080-8642-9DC0E9DA7233}" type="datetimeFigureOut">
               <a:rPr lang="pt-BR" smtClean="0"/>
               <a:pPr/>
-              <a:t>17/07/2016</a:t>
+              <a:t>19/07/2016</a:t>
             </a:fld>
             <a:endParaRPr lang="pt-BR"/>
           </a:p>
@@ -901,7 +902,7 @@
             <a:fld id="{97BE082F-75F0-4080-8642-9DC0E9DA7233}" type="datetimeFigureOut">
               <a:rPr lang="pt-BR" smtClean="0"/>
               <a:pPr/>
-              <a:t>17/07/2016</a:t>
+              <a:t>19/07/2016</a:t>
             </a:fld>
             <a:endParaRPr lang="pt-BR"/>
           </a:p>
@@ -1083,7 +1084,7 @@
             <a:fld id="{97BE082F-75F0-4080-8642-9DC0E9DA7233}" type="datetimeFigureOut">
               <a:rPr lang="pt-BR" smtClean="0"/>
               <a:pPr/>
-              <a:t>17/07/2016</a:t>
+              <a:t>19/07/2016</a:t>
             </a:fld>
             <a:endParaRPr lang="pt-BR"/>
           </a:p>
@@ -1437,7 +1438,7 @@
             <a:fld id="{97BE082F-75F0-4080-8642-9DC0E9DA7233}" type="datetimeFigureOut">
               <a:rPr lang="pt-BR" smtClean="0"/>
               <a:pPr/>
-              <a:t>17/07/2016</a:t>
+              <a:t>19/07/2016</a:t>
             </a:fld>
             <a:endParaRPr lang="pt-BR"/>
           </a:p>
@@ -1685,7 +1686,7 @@
             <a:fld id="{97BE082F-75F0-4080-8642-9DC0E9DA7233}" type="datetimeFigureOut">
               <a:rPr lang="pt-BR" smtClean="0"/>
               <a:pPr/>
-              <a:t>17/07/2016</a:t>
+              <a:t>19/07/2016</a:t>
             </a:fld>
             <a:endParaRPr lang="pt-BR"/>
           </a:p>
@@ -1975,7 +1976,7 @@
             <a:fld id="{97BE082F-75F0-4080-8642-9DC0E9DA7233}" type="datetimeFigureOut">
               <a:rPr lang="pt-BR" smtClean="0"/>
               <a:pPr/>
-              <a:t>17/07/2016</a:t>
+              <a:t>19/07/2016</a:t>
             </a:fld>
             <a:endParaRPr lang="pt-BR"/>
           </a:p>
@@ -2399,7 +2400,7 @@
             <a:fld id="{97BE082F-75F0-4080-8642-9DC0E9DA7233}" type="datetimeFigureOut">
               <a:rPr lang="pt-BR" smtClean="0"/>
               <a:pPr/>
-              <a:t>17/07/2016</a:t>
+              <a:t>19/07/2016</a:t>
             </a:fld>
             <a:endParaRPr lang="pt-BR"/>
           </a:p>
@@ -2519,7 +2520,7 @@
             <a:fld id="{97BE082F-75F0-4080-8642-9DC0E9DA7233}" type="datetimeFigureOut">
               <a:rPr lang="pt-BR" smtClean="0"/>
               <a:pPr/>
-              <a:t>17/07/2016</a:t>
+              <a:t>19/07/2016</a:t>
             </a:fld>
             <a:endParaRPr lang="pt-BR"/>
           </a:p>
@@ -2616,7 +2617,7 @@
             <a:fld id="{97BE082F-75F0-4080-8642-9DC0E9DA7233}" type="datetimeFigureOut">
               <a:rPr lang="pt-BR" smtClean="0"/>
               <a:pPr/>
-              <a:t>17/07/2016</a:t>
+              <a:t>19/07/2016</a:t>
             </a:fld>
             <a:endParaRPr lang="pt-BR"/>
           </a:p>
@@ -2895,7 +2896,7 @@
             <a:fld id="{97BE082F-75F0-4080-8642-9DC0E9DA7233}" type="datetimeFigureOut">
               <a:rPr lang="pt-BR" smtClean="0"/>
               <a:pPr/>
-              <a:t>17/07/2016</a:t>
+              <a:t>19/07/2016</a:t>
             </a:fld>
             <a:endParaRPr lang="pt-BR"/>
           </a:p>
@@ -3150,7 +3151,7 @@
             <a:fld id="{97BE082F-75F0-4080-8642-9DC0E9DA7233}" type="datetimeFigureOut">
               <a:rPr lang="pt-BR" smtClean="0"/>
               <a:pPr/>
-              <a:t>17/07/2016</a:t>
+              <a:t>19/07/2016</a:t>
             </a:fld>
             <a:endParaRPr lang="pt-BR"/>
           </a:p>
@@ -3365,7 +3366,7 @@
             <a:fld id="{97BE082F-75F0-4080-8642-9DC0E9DA7233}" type="datetimeFigureOut">
               <a:rPr lang="pt-BR" smtClean="0"/>
               <a:pPr/>
-              <a:t>17/07/2016</a:t>
+              <a:t>19/07/2016</a:t>
             </a:fld>
             <a:endParaRPr lang="pt-BR"/>
           </a:p>
@@ -3856,15 +3857,7 @@
                   <a:srgbClr val="0070C0"/>
                 </a:solidFill>
               </a:rPr>
-              <a:t>Java Unit Test </a:t>
-            </a:r>
-            <a:r>
-              <a:rPr lang="en-US" b="1" dirty="0" smtClean="0">
-                <a:solidFill>
-                  <a:srgbClr val="0070C0"/>
-                </a:solidFill>
-              </a:rPr>
-              <a:t>Framework</a:t>
+              <a:t>Java Unit Test Framework</a:t>
             </a:r>
             <a:br>
               <a:rPr lang="en-US" b="1" dirty="0" smtClean="0">
@@ -4900,22 +4893,7 @@
                   </a:outerShdw>
                 </a:effectLst>
               </a:rPr>
-              <a:t> 5 – </a:t>
-            </a:r>
-            <a:r>
-              <a:rPr lang="pt-BR" dirty="0" smtClean="0">
-                <a:solidFill>
-                  <a:srgbClr val="0070C0"/>
-                </a:solidFill>
-                <a:effectLst>
-                  <a:outerShdw blurRad="38100" dist="38100" dir="2700000" algn="tl">
-                    <a:srgbClr val="000000">
-                      <a:alpha val="43137"/>
-                    </a:srgbClr>
-                  </a:outerShdw>
-                </a:effectLst>
-              </a:rPr>
-              <a:t>Pontos de Extensão</a:t>
+              <a:t> 5 – Pontos de Extensão</a:t>
             </a:r>
             <a:endParaRPr lang="pt-BR" dirty="0">
               <a:solidFill>
@@ -4964,21 +4942,26 @@
             </a:r>
             <a:r>
               <a:rPr lang="en-US" sz="2800" b="1" dirty="0" smtClean="0"/>
-              <a:t>features” (</a:t>
-            </a:r>
-            <a:r>
-              <a:rPr lang="pt-BR" sz="2800" b="1" dirty="0"/>
+              <a:t>features</a:t>
+            </a:r>
+            <a:r>
+              <a:rPr lang="en-US" sz="2800" b="1" dirty="0" smtClean="0"/>
+              <a:t>”</a:t>
+            </a:r>
+          </a:p>
+          <a:p>
+            <a:pPr marL="457200" lvl="1" indent="0">
+              <a:buNone/>
+            </a:pPr>
+            <a:r>
+              <a:rPr lang="pt-BR" sz="2400" b="1" dirty="0" smtClean="0"/>
               <a:t>Kevin </a:t>
             </a:r>
             <a:r>
-              <a:rPr lang="pt-BR" sz="2800" b="1" dirty="0" err="1" smtClean="0"/>
+              <a:rPr lang="pt-BR" sz="2400" b="1" dirty="0" err="1" smtClean="0"/>
               <a:t>Cooney</a:t>
             </a:r>
-            <a:r>
-              <a:rPr lang="pt-BR" sz="2800" b="1" dirty="0" smtClean="0"/>
-              <a:t>)</a:t>
-            </a:r>
-            <a:endParaRPr lang="pt-BR" sz="2800" dirty="0" smtClean="0"/>
+            <a:endParaRPr lang="pt-BR" sz="2400" dirty="0" smtClean="0"/>
           </a:p>
           <a:p>
             <a:r>
@@ -5167,6 +5150,360 @@
     <p:extLst>
       <p:ext uri="{BB962C8B-B14F-4D97-AF65-F5344CB8AC3E}">
         <p14:creationId xmlns:p14="http://schemas.microsoft.com/office/powerpoint/2010/main" val="329444127"/>
+      </p:ext>
+    </p:extLst>
+  </p:cSld>
+  <p:clrMapOvr>
+    <a:masterClrMapping/>
+  </p:clrMapOvr>
+  <mc:AlternateContent xmlns:mc="http://schemas.openxmlformats.org/markup-compatibility/2006" xmlns:p14="http://schemas.microsoft.com/office/powerpoint/2010/main">
+    <mc:Choice Requires="p14">
+      <p:transition p14:dur="0"/>
+    </mc:Choice>
+    <mc:Fallback xmlns="">
+      <p:transition/>
+    </mc:Fallback>
+  </mc:AlternateContent>
+  <p:timing>
+    <p:tnLst>
+      <p:par>
+        <p:cTn id="1" dur="indefinite" restart="never" nodeType="tmRoot"/>
+      </p:par>
+    </p:tnLst>
+  </p:timing>
+</p:sld>
+</file>
+
+<file path=ppt/slides/slide5.xml><?xml version="1.0" encoding="utf-8"?>
+<p:sld xmlns:a="http://schemas.openxmlformats.org/drawingml/2006/main" xmlns:r="http://schemas.openxmlformats.org/officeDocument/2006/relationships" xmlns:p="http://schemas.openxmlformats.org/presentationml/2006/main">
+  <p:cSld>
+    <p:spTree>
+      <p:nvGrpSpPr>
+        <p:cNvPr id="1" name=""/>
+        <p:cNvGrpSpPr/>
+        <p:nvPr/>
+      </p:nvGrpSpPr>
+      <p:grpSpPr>
+        <a:xfrm>
+          <a:off x="0" y="0"/>
+          <a:ext cx="0" cy="0"/>
+          <a:chOff x="0" y="0"/>
+          <a:chExt cx="0" cy="0"/>
+        </a:xfrm>
+      </p:grpSpPr>
+      <p:sp>
+        <p:nvSpPr>
+          <p:cNvPr id="3" name="Slide Number Placeholder 2"/>
+          <p:cNvSpPr>
+            <a:spLocks noGrp="1"/>
+          </p:cNvSpPr>
+          <p:nvPr>
+            <p:ph type="sldNum" sz="quarter" idx="11"/>
+          </p:nvPr>
+        </p:nvSpPr>
+        <p:spPr/>
+        <p:txBody>
+          <a:bodyPr/>
+          <a:lstStyle/>
+          <a:p>
+            <a:fld id="{338BD863-DCDC-5F43-A029-265BB7DA4A17}" type="slidenum">
+              <a:rPr lang="en-US" smtClean="0"/>
+              <a:pPr/>
+              <a:t>5</a:t>
+            </a:fld>
+            <a:endParaRPr lang="en-US" dirty="0"/>
+          </a:p>
+        </p:txBody>
+      </p:sp>
+      <p:sp>
+        <p:nvSpPr>
+          <p:cNvPr id="4" name="Title 3"/>
+          <p:cNvSpPr>
+            <a:spLocks noGrp="1"/>
+          </p:cNvSpPr>
+          <p:nvPr>
+            <p:ph type="title"/>
+          </p:nvPr>
+        </p:nvSpPr>
+        <p:spPr/>
+        <p:txBody>
+          <a:bodyPr>
+            <a:normAutofit/>
+          </a:bodyPr>
+          <a:lstStyle/>
+          <a:p>
+            <a:r>
+              <a:rPr lang="pt-BR" dirty="0" err="1" smtClean="0">
+                <a:solidFill>
+                  <a:srgbClr val="0070C0"/>
+                </a:solidFill>
+                <a:effectLst>
+                  <a:outerShdw blurRad="38100" dist="38100" dir="2700000" algn="tl">
+                    <a:srgbClr val="000000">
+                      <a:alpha val="43137"/>
+                    </a:srgbClr>
+                  </a:outerShdw>
+                </a:effectLst>
+              </a:rPr>
+              <a:t>JUnit</a:t>
+            </a:r>
+            <a:r>
+              <a:rPr lang="pt-BR" dirty="0" smtClean="0">
+                <a:solidFill>
+                  <a:srgbClr val="0070C0"/>
+                </a:solidFill>
+                <a:effectLst>
+                  <a:outerShdw blurRad="38100" dist="38100" dir="2700000" algn="tl">
+                    <a:srgbClr val="000000">
+                      <a:alpha val="43137"/>
+                    </a:srgbClr>
+                  </a:outerShdw>
+                </a:effectLst>
+              </a:rPr>
+              <a:t> 5 – </a:t>
+            </a:r>
+            <a:r>
+              <a:rPr lang="pt-BR" dirty="0" smtClean="0">
+                <a:solidFill>
+                  <a:srgbClr val="0070C0"/>
+                </a:solidFill>
+                <a:effectLst>
+                  <a:outerShdw blurRad="38100" dist="38100" dir="2700000" algn="tl">
+                    <a:srgbClr val="000000">
+                      <a:alpha val="43137"/>
+                    </a:srgbClr>
+                  </a:outerShdw>
+                </a:effectLst>
+              </a:rPr>
+              <a:t>Condições / Injeções</a:t>
+            </a:r>
+            <a:endParaRPr lang="pt-BR" dirty="0">
+              <a:solidFill>
+                <a:srgbClr val="0070C0"/>
+              </a:solidFill>
+              <a:effectLst>
+                <a:outerShdw blurRad="38100" dist="38100" dir="2700000" algn="tl">
+                  <a:srgbClr val="000000">
+                    <a:alpha val="43137"/>
+                  </a:srgbClr>
+                </a:outerShdw>
+              </a:effectLst>
+            </a:endParaRPr>
+          </a:p>
+        </p:txBody>
+      </p:sp>
+      <p:sp>
+        <p:nvSpPr>
+          <p:cNvPr id="2" name="Espaço Reservado para Conteúdo 1"/>
+          <p:cNvSpPr>
+            <a:spLocks noGrp="1"/>
+          </p:cNvSpPr>
+          <p:nvPr>
+            <p:ph idx="1"/>
+          </p:nvPr>
+        </p:nvSpPr>
+        <p:spPr>
+          <a:xfrm>
+            <a:off x="457200" y="1124744"/>
+            <a:ext cx="8229600" cy="5454352"/>
+          </a:xfrm>
+        </p:spPr>
+        <p:txBody>
+          <a:bodyPr>
+            <a:normAutofit/>
+          </a:bodyPr>
+          <a:lstStyle/>
+          <a:p>
+            <a:r>
+              <a:rPr lang="pt-BR" sz="2800" dirty="0" err="1" smtClean="0"/>
+              <a:t>JUnit</a:t>
+            </a:r>
+            <a:r>
+              <a:rPr lang="pt-BR" sz="2800" dirty="0" smtClean="0"/>
+              <a:t> </a:t>
+            </a:r>
+            <a:r>
+              <a:rPr lang="pt-BR" sz="2800" dirty="0" smtClean="0"/>
+              <a:t>4: </a:t>
+            </a:r>
+            <a:r>
+              <a:rPr lang="pt-BR" sz="2800" i="1" dirty="0" err="1" smtClean="0"/>
+              <a:t>Runner</a:t>
+            </a:r>
+            <a:r>
+              <a:rPr lang="pt-BR" sz="2800" i="1" dirty="0" smtClean="0"/>
+              <a:t>, @</a:t>
+            </a:r>
+            <a:r>
+              <a:rPr lang="pt-BR" sz="2800" i="1" dirty="0" err="1" smtClean="0"/>
+              <a:t>Rule</a:t>
+            </a:r>
+            <a:r>
+              <a:rPr lang="pt-BR" sz="2800" i="1" dirty="0" smtClean="0"/>
+              <a:t>, @</a:t>
+            </a:r>
+            <a:r>
+              <a:rPr lang="pt-BR" sz="2800" i="1" dirty="0" err="1" smtClean="0"/>
+              <a:t>ClassRule</a:t>
+            </a:r>
+            <a:endParaRPr lang="pt-BR" sz="2800" i="1" dirty="0" smtClean="0"/>
+          </a:p>
+          <a:p>
+            <a:r>
+              <a:rPr lang="pt-BR" sz="2800" dirty="0"/>
+              <a:t>@</a:t>
+            </a:r>
+            <a:r>
+              <a:rPr lang="pt-BR" sz="2800" dirty="0" err="1"/>
+              <a:t>ExtendWith</a:t>
+            </a:r>
+            <a:r>
+              <a:rPr lang="pt-BR" sz="2800" dirty="0" smtClean="0"/>
+              <a:t>({Extension1.class</a:t>
+            </a:r>
+            <a:r>
+              <a:rPr lang="pt-BR" sz="2800" dirty="0"/>
+              <a:t>, </a:t>
+            </a:r>
+            <a:r>
+              <a:rPr lang="pt-BR" sz="2800" dirty="0" smtClean="0"/>
+              <a:t>Extension2.class </a:t>
+            </a:r>
+            <a:r>
+              <a:rPr lang="pt-BR" sz="2800" dirty="0"/>
+              <a:t>})</a:t>
+            </a:r>
+          </a:p>
+          <a:p>
+            <a:r>
+              <a:rPr lang="pt-BR" sz="2800" dirty="0" smtClean="0"/>
+              <a:t>Meta-</a:t>
+            </a:r>
+            <a:r>
+              <a:rPr lang="pt-BR" sz="2800" dirty="0" err="1" smtClean="0"/>
+              <a:t>annotation</a:t>
+            </a:r>
+            <a:endParaRPr lang="pt-BR" sz="2800" dirty="0" smtClean="0"/>
+          </a:p>
+          <a:p>
+            <a:pPr lvl="1"/>
+            <a:r>
+              <a:rPr lang="pt-BR" sz="2400" dirty="0" smtClean="0"/>
+              <a:t>@</a:t>
+            </a:r>
+            <a:r>
+              <a:rPr lang="pt-BR" sz="2400" dirty="0" err="1" smtClean="0"/>
+              <a:t>IntegrationTest</a:t>
+            </a:r>
+            <a:endParaRPr lang="pt-BR" sz="2400" dirty="0" smtClean="0"/>
+          </a:p>
+          <a:p>
+            <a:pPr lvl="1"/>
+            <a:r>
+              <a:rPr lang="pt-BR" sz="2400" dirty="0" smtClean="0"/>
+              <a:t>@Benchmark</a:t>
+            </a:r>
+            <a:endParaRPr lang="pt-BR" sz="2400" dirty="0"/>
+          </a:p>
+          <a:p>
+            <a:pPr marL="457200" lvl="1" indent="0">
+              <a:buNone/>
+            </a:pPr>
+            <a:endParaRPr lang="pt-BR" dirty="0" smtClean="0"/>
+          </a:p>
+          <a:p>
+            <a:endParaRPr lang="pt-BR" dirty="0" smtClean="0"/>
+          </a:p>
+          <a:p>
+            <a:endParaRPr lang="pt-BR" dirty="0" smtClean="0"/>
+          </a:p>
+          <a:p>
+            <a:endParaRPr lang="pt-BR" dirty="0" smtClean="0"/>
+          </a:p>
+        </p:txBody>
+      </p:sp>
+      <p:sp>
+        <p:nvSpPr>
+          <p:cNvPr id="5" name="AutoShape 2" descr="G:\HD-Games\GitRepos\DesignPatterns\CAP392-02-PloP\artigos\03 - Pattern Language\entrega final\family-guy-simpsons2.webp"/>
+          <p:cNvSpPr>
+            <a:spLocks noChangeAspect="1" noChangeArrowheads="1"/>
+          </p:cNvSpPr>
+          <p:nvPr/>
+        </p:nvSpPr>
+        <p:spPr bwMode="auto">
+          <a:xfrm>
+            <a:off x="155575" y="-144463"/>
+            <a:ext cx="304800" cy="304801"/>
+          </a:xfrm>
+          <a:prstGeom prst="rect">
+            <a:avLst/>
+          </a:prstGeom>
+          <a:noFill/>
+          <a:extLst>
+            <a:ext uri="{909E8E84-426E-40DD-AFC4-6F175D3DCCD1}">
+              <a14:hiddenFill xmlns:a14="http://schemas.microsoft.com/office/drawing/2010/main">
+                <a:solidFill>
+                  <a:srgbClr val="FFFFFF"/>
+                </a:solidFill>
+              </a14:hiddenFill>
+            </a:ext>
+          </a:extLst>
+        </p:spPr>
+        <p:txBody>
+          <a:bodyPr vert="horz" wrap="square" lIns="91440" tIns="45720" rIns="91440" bIns="45720" numCol="1" anchor="t" anchorCtr="0" compatLnSpc="1">
+            <a:prstTxWarp prst="textNoShape">
+              <a:avLst/>
+            </a:prstTxWarp>
+          </a:bodyPr>
+          <a:lstStyle/>
+          <a:p>
+            <a:endParaRPr lang="pt-BR"/>
+          </a:p>
+        </p:txBody>
+      </p:sp>
+      <p:sp>
+        <p:nvSpPr>
+          <p:cNvPr id="7" name="AutoShape 4" descr="G:\HD-Games\GitRepos\DesignPatterns\CAP392-02-PloP\artigos\03 - Pattern Language\entrega final\family-guy-simpsons2.webp"/>
+          <p:cNvSpPr>
+            <a:spLocks noChangeAspect="1" noChangeArrowheads="1"/>
+          </p:cNvSpPr>
+          <p:nvPr/>
+        </p:nvSpPr>
+        <p:spPr bwMode="auto">
+          <a:xfrm>
+            <a:off x="307975" y="7937"/>
+            <a:ext cx="304800" cy="304801"/>
+          </a:xfrm>
+          <a:prstGeom prst="rect">
+            <a:avLst/>
+          </a:prstGeom>
+          <a:noFill/>
+          <a:extLst>
+            <a:ext uri="{909E8E84-426E-40DD-AFC4-6F175D3DCCD1}">
+              <a14:hiddenFill xmlns:a14="http://schemas.microsoft.com/office/drawing/2010/main">
+                <a:solidFill>
+                  <a:srgbClr val="FFFFFF"/>
+                </a:solidFill>
+              </a14:hiddenFill>
+            </a:ext>
+          </a:extLst>
+        </p:spPr>
+        <p:txBody>
+          <a:bodyPr vert="horz" wrap="square" lIns="91440" tIns="45720" rIns="91440" bIns="45720" numCol="1" anchor="t" anchorCtr="0" compatLnSpc="1">
+            <a:prstTxWarp prst="textNoShape">
+              <a:avLst/>
+            </a:prstTxWarp>
+          </a:bodyPr>
+          <a:lstStyle/>
+          <a:p>
+            <a:endParaRPr lang="pt-BR"/>
+          </a:p>
+        </p:txBody>
+      </p:sp>
+    </p:spTree>
+    <p:extLst>
+      <p:ext uri="{BB962C8B-B14F-4D97-AF65-F5344CB8AC3E}">
+        <p14:creationId xmlns:p14="http://schemas.microsoft.com/office/powerpoint/2010/main" val="4022707993"/>
       </p:ext>
     </p:extLst>
   </p:cSld>
